--- a/16_MicroService_Module02.pptx
+++ b/16_MicroService_Module02.pptx
@@ -7004,371 +7004,204 @@
           <a:bodyPr/>
           <a:lstStyle/>
           <a:p>
-            <a:pPr marL="0" indent="0">
-              <a:lnSpc>
-                <a:spcPct val="150000"/>
-              </a:lnSpc>
-              <a:buFontTx/>
-              <a:buNone/>
-              <a:defRPr/>
-            </a:pPr>
-            <a:r>
-              <a:rPr lang="en-IN" sz="1600" dirty="0">
-                <a:solidFill>
-                  <a:srgbClr val="646464"/>
-                </a:solidFill>
-                <a:latin typeface="Consolas" panose="020B0609020204030204" pitchFamily="49" charset="0"/>
-              </a:rPr>
-              <a:t>    </a:t>
-            </a:r>
-            <a:r>
-              <a:rPr lang="en-IN" sz="1800" dirty="0">
-                <a:solidFill>
-                  <a:srgbClr val="646464"/>
-                </a:solidFill>
-              </a:rPr>
+            <a:pPr marL="457200" lvl="1" indent="0">
+              <a:buNone/>
+            </a:pPr>
+            <a:endParaRPr lang="en-IN" dirty="0"/>
+          </a:p>
+          <a:p>
+            <a:pPr marL="457200" lvl="1" indent="0">
+              <a:buNone/>
+            </a:pPr>
+            <a:r>
+              <a:rPr lang="en-IN" dirty="0"/>
               <a:t>@Bean</a:t>
             </a:r>
           </a:p>
           <a:p>
-            <a:pPr marL="0" indent="0">
-              <a:lnSpc>
-                <a:spcPct val="150000"/>
-              </a:lnSpc>
-              <a:buFontTx/>
-              <a:buNone/>
-              <a:defRPr/>
-            </a:pPr>
-            <a:r>
-              <a:rPr lang="en-IN" sz="1800" dirty="0">
-                <a:solidFill>
-                  <a:srgbClr val="000000"/>
-                </a:solidFill>
-              </a:rPr>
-              <a:t>    </a:t>
-            </a:r>
-            <a:r>
-              <a:rPr lang="en-IN" sz="1800" b="1" dirty="0">
-                <a:solidFill>
-                  <a:srgbClr val="7F0055"/>
-                </a:solidFill>
-              </a:rPr>
-              <a:t>public</a:t>
-            </a:r>
-            <a:r>
-              <a:rPr lang="en-IN" sz="1800" b="1" dirty="0">
-                <a:solidFill>
-                  <a:srgbClr val="000000"/>
-                </a:solidFill>
-              </a:rPr>
+            <a:pPr marL="457200" lvl="1" indent="0">
+              <a:buNone/>
+            </a:pPr>
+            <a:r>
+              <a:rPr lang="en-IN" dirty="0"/>
+              <a:t>public </a:t>
+            </a:r>
+            <a:r>
+              <a:rPr lang="en-IN" dirty="0" err="1"/>
+              <a:t>GlobalFilter</a:t>
+            </a:r>
+            <a:r>
+              <a:rPr lang="en-IN" dirty="0"/>
               <a:t> </a:t>
             </a:r>
             <a:r>
-              <a:rPr lang="en-IN" sz="1800" b="1" dirty="0" err="1">
-                <a:solidFill>
-                  <a:srgbClr val="000000"/>
+              <a:rPr lang="en-IN" dirty="0" err="1"/>
+              <a:t>postGlobalFilter</a:t>
+            </a:r>
+            <a:r>
+              <a:rPr lang="en-IN" dirty="0"/>
+              <a:t>() {</a:t>
+            </a:r>
+          </a:p>
+          <a:p>
+            <a:pPr marL="457200" lvl="1" indent="0">
+              <a:buNone/>
+            </a:pPr>
+            <a:r>
+              <a:rPr lang="en-IN" dirty="0"/>
+              <a:t>    return new </a:t>
+            </a:r>
+            <a:r>
+              <a:rPr lang="en-IN" dirty="0" err="1">
+                <a:solidFill>
+                  <a:srgbClr val="C00000"/>
                 </a:solidFill>
               </a:rPr>
               <a:t>GlobalFilter</a:t>
             </a:r>
             <a:r>
-              <a:rPr lang="en-IN" sz="1800" b="1" dirty="0">
-                <a:solidFill>
-                  <a:srgbClr val="000000"/>
-                </a:solidFill>
-              </a:rPr>
-              <a:t> </a:t>
-            </a:r>
-            <a:r>
-              <a:rPr lang="en-IN" sz="1800" b="1" dirty="0" err="1">
-                <a:solidFill>
-                  <a:srgbClr val="000000"/>
-                </a:solidFill>
-              </a:rPr>
-              <a:t>postGlobalFilter</a:t>
-            </a:r>
-            <a:r>
-              <a:rPr lang="en-IN" sz="1800" b="1" dirty="0">
-                <a:solidFill>
-                  <a:srgbClr val="000000"/>
-                </a:solidFill>
-              </a:rPr>
+              <a:rPr lang="en-IN" dirty="0"/>
               <a:t>() {</a:t>
             </a:r>
           </a:p>
           <a:p>
-            <a:pPr marL="0" indent="0">
-              <a:lnSpc>
-                <a:spcPct val="150000"/>
-              </a:lnSpc>
-              <a:buFontTx/>
-              <a:buNone/>
-              <a:defRPr/>
-            </a:pPr>
-            <a:r>
-              <a:rPr lang="en-IN" sz="1800" dirty="0">
-                <a:solidFill>
-                  <a:srgbClr val="000000"/>
-                </a:solidFill>
-              </a:rPr>
-              <a:t>        </a:t>
-            </a:r>
-            <a:r>
-              <a:rPr lang="en-IN" sz="1800" b="1" dirty="0">
-                <a:solidFill>
-                  <a:srgbClr val="7F0055"/>
-                </a:solidFill>
-              </a:rPr>
-              <a:t>return</a:t>
-            </a:r>
-            <a:r>
-              <a:rPr lang="en-IN" sz="1800" b="1" dirty="0">
-                <a:solidFill>
-                  <a:srgbClr val="000000"/>
-                </a:solidFill>
-              </a:rPr>
-              <a:t> (</a:t>
-            </a:r>
-            <a:r>
-              <a:rPr lang="en-IN" sz="1800" b="1" dirty="0">
-                <a:solidFill>
-                  <a:srgbClr val="6A3E3E"/>
-                </a:solidFill>
-              </a:rPr>
-              <a:t>exchange</a:t>
-            </a:r>
-            <a:r>
-              <a:rPr lang="en-IN" sz="1800" b="1" dirty="0">
-                <a:solidFill>
-                  <a:srgbClr val="000000"/>
-                </a:solidFill>
-              </a:rPr>
-              <a:t>, </a:t>
-            </a:r>
-            <a:r>
-              <a:rPr lang="en-IN" sz="1800" b="1" dirty="0">
-                <a:solidFill>
-                  <a:srgbClr val="6A3E3E"/>
-                </a:solidFill>
-              </a:rPr>
-              <a:t>chain</a:t>
-            </a:r>
-            <a:r>
-              <a:rPr lang="en-IN" sz="1800" b="1" dirty="0">
-                <a:solidFill>
-                  <a:srgbClr val="000000"/>
-                </a:solidFill>
-              </a:rPr>
-              <a:t>) -&gt; {</a:t>
-            </a:r>
-          </a:p>
-          <a:p>
-            <a:pPr marL="0" indent="0">
-              <a:lnSpc>
-                <a:spcPct val="150000"/>
-              </a:lnSpc>
-              <a:buFontTx/>
-              <a:buNone/>
-              <a:defRPr/>
-            </a:pPr>
-            <a:r>
-              <a:rPr lang="en-IN" sz="1800" dirty="0">
-                <a:solidFill>
-                  <a:srgbClr val="000000"/>
-                </a:solidFill>
-              </a:rPr>
-              <a:t>            </a:t>
-            </a:r>
-            <a:r>
-              <a:rPr lang="en-IN" sz="1800" b="1" dirty="0">
-                <a:solidFill>
-                  <a:srgbClr val="7F0055"/>
-                </a:solidFill>
-              </a:rPr>
-              <a:t>return</a:t>
-            </a:r>
-            <a:r>
-              <a:rPr lang="en-IN" sz="1800" b="1" dirty="0">
-                <a:solidFill>
-                  <a:srgbClr val="000000"/>
-                </a:solidFill>
-              </a:rPr>
-              <a:t> </a:t>
-            </a:r>
-            <a:r>
-              <a:rPr lang="en-IN" sz="1800" b="1" dirty="0" err="1">
-                <a:solidFill>
-                  <a:srgbClr val="6A3E3E"/>
-                </a:solidFill>
-              </a:rPr>
-              <a:t>chain</a:t>
-            </a:r>
-            <a:r>
-              <a:rPr lang="en-IN" sz="1800" b="1" dirty="0" err="1">
-                <a:solidFill>
-                  <a:srgbClr val="000000"/>
-                </a:solidFill>
-              </a:rPr>
-              <a:t>.filter</a:t>
-            </a:r>
-            <a:r>
-              <a:rPr lang="en-IN" sz="1800" b="1" dirty="0">
-                <a:solidFill>
-                  <a:srgbClr val="000000"/>
-                </a:solidFill>
-              </a:rPr>
-              <a:t>(</a:t>
-            </a:r>
-            <a:r>
-              <a:rPr lang="en-IN" sz="1800" b="1" dirty="0">
-                <a:solidFill>
-                  <a:srgbClr val="6A3E3E"/>
-                </a:solidFill>
-              </a:rPr>
-              <a:t>exchange</a:t>
-            </a:r>
-            <a:r>
-              <a:rPr lang="en-IN" sz="1800" b="1" dirty="0">
-                <a:solidFill>
-                  <a:srgbClr val="000000"/>
-                </a:solidFill>
-              </a:rPr>
-              <a:t>)</a:t>
-            </a:r>
-          </a:p>
-          <a:p>
-            <a:pPr marL="0" indent="0">
-              <a:lnSpc>
-                <a:spcPct val="150000"/>
-              </a:lnSpc>
-              <a:buFontTx/>
-              <a:buNone/>
-              <a:defRPr/>
-            </a:pPr>
-            <a:r>
-              <a:rPr lang="en-IN" sz="1800" dirty="0">
-                <a:solidFill>
-                  <a:srgbClr val="000000"/>
-                </a:solidFill>
-              </a:rPr>
-              <a:t>              .then(</a:t>
-            </a:r>
-            <a:r>
-              <a:rPr lang="en-IN" sz="1800" dirty="0" err="1">
-                <a:solidFill>
-                  <a:srgbClr val="000000"/>
-                </a:solidFill>
-              </a:rPr>
-              <a:t>Mono.</a:t>
-            </a:r>
-            <a:r>
-              <a:rPr lang="en-IN" sz="1800" i="1" dirty="0" err="1">
-                <a:solidFill>
-                  <a:srgbClr val="000000"/>
-                </a:solidFill>
-              </a:rPr>
-              <a:t>fromRunnable</a:t>
-            </a:r>
-            <a:r>
-              <a:rPr lang="en-IN" sz="1800" i="1" dirty="0">
-                <a:solidFill>
-                  <a:srgbClr val="000000"/>
-                </a:solidFill>
-              </a:rPr>
-              <a:t>(() -&gt; {</a:t>
-            </a:r>
-          </a:p>
-          <a:p>
-            <a:pPr marL="0" indent="0">
-              <a:lnSpc>
-                <a:spcPct val="150000"/>
-              </a:lnSpc>
-              <a:buFontTx/>
-              <a:buNone/>
-              <a:defRPr/>
-            </a:pPr>
-            <a:r>
-              <a:rPr lang="en-US" sz="1800" dirty="0">
-                <a:solidFill>
-                  <a:srgbClr val="000000"/>
-                </a:solidFill>
-              </a:rPr>
-              <a:t>                  </a:t>
-            </a:r>
-            <a:r>
-              <a:rPr lang="en-US" sz="1800" b="1" i="1" dirty="0">
-                <a:solidFill>
-                  <a:srgbClr val="0000C0"/>
-                </a:solidFill>
-              </a:rPr>
-              <a:t>log</a:t>
-            </a:r>
-            <a:r>
-              <a:rPr lang="en-US" sz="1800" b="1" i="1" dirty="0">
-                <a:solidFill>
-                  <a:srgbClr val="000000"/>
-                </a:solidFill>
-              </a:rPr>
-              <a:t>.info(</a:t>
-            </a:r>
-            <a:r>
-              <a:rPr lang="en-US" sz="1800" b="1" i="1" dirty="0">
-                <a:solidFill>
-                  <a:srgbClr val="2A00FF"/>
-                </a:solidFill>
-              </a:rPr>
-              <a:t>"Global Post Filter executed"</a:t>
-            </a:r>
-            <a:r>
-              <a:rPr lang="en-US" sz="1800" b="1" i="1" dirty="0">
-                <a:solidFill>
-                  <a:srgbClr val="000000"/>
-                </a:solidFill>
-              </a:rPr>
-              <a:t>);</a:t>
-            </a:r>
-          </a:p>
-          <a:p>
-            <a:pPr marL="0" indent="0">
-              <a:lnSpc>
-                <a:spcPct val="150000"/>
-              </a:lnSpc>
-              <a:buFontTx/>
-              <a:buNone/>
-              <a:defRPr/>
-            </a:pPr>
-            <a:r>
-              <a:rPr lang="en-IN" sz="1800" dirty="0">
-                <a:solidFill>
-                  <a:srgbClr val="000000"/>
-                </a:solidFill>
-              </a:rPr>
-              <a:t>              }));</a:t>
-            </a:r>
-          </a:p>
-          <a:p>
-            <a:pPr marL="0" indent="0">
-              <a:lnSpc>
-                <a:spcPct val="150000"/>
-              </a:lnSpc>
-              <a:buFontTx/>
-              <a:buNone/>
-              <a:defRPr/>
-            </a:pPr>
-            <a:r>
-              <a:rPr lang="en-IN" sz="1800" dirty="0">
-                <a:solidFill>
-                  <a:srgbClr val="000000"/>
-                </a:solidFill>
-              </a:rPr>
-              <a:t>        };</a:t>
-            </a:r>
-          </a:p>
-          <a:p>
-            <a:pPr>
-              <a:defRPr/>
-            </a:pPr>
-            <a:endParaRPr lang="en-IN" dirty="0"/>
+            <a:pPr marL="457200" lvl="1" indent="0">
+              <a:buNone/>
+            </a:pPr>
+            <a:r>
+              <a:rPr lang="en-IN" dirty="0"/>
+              <a:t>        @Override</a:t>
+            </a:r>
+          </a:p>
+          <a:p>
+            <a:pPr marL="457200" lvl="1" indent="0">
+              <a:buNone/>
+            </a:pPr>
+            <a:r>
+              <a:rPr lang="en-IN" dirty="0"/>
+              <a:t>        public Mono&lt;Void&gt; filter(</a:t>
+            </a:r>
+            <a:r>
+              <a:rPr lang="en-IN" dirty="0" err="1"/>
+              <a:t>ServerWebExchange</a:t>
+            </a:r>
+            <a:r>
+              <a:rPr lang="en-IN" dirty="0"/>
+              <a:t> exchange, </a:t>
+            </a:r>
+            <a:r>
+              <a:rPr lang="en-IN" dirty="0" err="1"/>
+              <a:t>GatewayFilterChain</a:t>
+            </a:r>
+            <a:r>
+              <a:rPr lang="en-IN" dirty="0"/>
+              <a:t> chain) {</a:t>
+            </a:r>
+          </a:p>
+          <a:p>
+            <a:pPr marL="457200" lvl="1" indent="0">
+              <a:buNone/>
+            </a:pPr>
+            <a:r>
+              <a:rPr lang="en-IN" dirty="0"/>
+              <a:t>            return </a:t>
+            </a:r>
+            <a:r>
+              <a:rPr lang="en-IN" dirty="0" err="1"/>
+              <a:t>chain.filter</a:t>
+            </a:r>
+            <a:r>
+              <a:rPr lang="en-IN" dirty="0"/>
+              <a:t>(exchange)</a:t>
+            </a:r>
+          </a:p>
+          <a:p>
+            <a:pPr marL="457200" lvl="1" indent="0">
+              <a:buNone/>
+            </a:pPr>
+            <a:r>
+              <a:rPr lang="en-IN" dirty="0"/>
+              <a:t>                .then(</a:t>
+            </a:r>
+            <a:r>
+              <a:rPr lang="en-IN" dirty="0" err="1"/>
+              <a:t>Mono.fromRunnable</a:t>
+            </a:r>
+            <a:r>
+              <a:rPr lang="en-IN" dirty="0"/>
+              <a:t>(new Runnable() {</a:t>
+            </a:r>
+          </a:p>
+          <a:p>
+            <a:pPr marL="457200" lvl="1" indent="0">
+              <a:buNone/>
+            </a:pPr>
+            <a:r>
+              <a:rPr lang="en-IN" dirty="0"/>
+              <a:t>                    @Override</a:t>
+            </a:r>
+          </a:p>
+          <a:p>
+            <a:pPr marL="457200" lvl="1" indent="0">
+              <a:buNone/>
+            </a:pPr>
+            <a:r>
+              <a:rPr lang="en-IN" dirty="0"/>
+              <a:t>                    public void run() {</a:t>
+            </a:r>
+          </a:p>
+          <a:p>
+            <a:pPr marL="457200" lvl="1" indent="0">
+              <a:buNone/>
+            </a:pPr>
+            <a:r>
+              <a:rPr lang="en-IN" dirty="0"/>
+              <a:t>                        </a:t>
+            </a:r>
+            <a:r>
+              <a:rPr lang="en-IN" dirty="0" err="1"/>
+              <a:t>log.info</a:t>
+            </a:r>
+            <a:r>
+              <a:rPr lang="en-IN" dirty="0"/>
+              <a:t>("Global Post Filter executed");</a:t>
+            </a:r>
+          </a:p>
+          <a:p>
+            <a:pPr marL="457200" lvl="1" indent="0">
+              <a:buNone/>
+            </a:pPr>
+            <a:r>
+              <a:rPr lang="en-IN" dirty="0"/>
+              <a:t>                    }</a:t>
+            </a:r>
+          </a:p>
+          <a:p>
+            <a:pPr marL="457200" lvl="1" indent="0">
+              <a:buNone/>
+            </a:pPr>
+            <a:r>
+              <a:rPr lang="en-IN" dirty="0"/>
+              <a:t>                }));</a:t>
+            </a:r>
+          </a:p>
+          <a:p>
+            <a:pPr marL="457200" lvl="1" indent="0">
+              <a:buNone/>
+            </a:pPr>
+            <a:r>
+              <a:rPr lang="en-IN" dirty="0"/>
+              <a:t>        }</a:t>
+            </a:r>
+          </a:p>
+          <a:p>
+            <a:pPr marL="457200" lvl="1" indent="0">
+              <a:buNone/>
+            </a:pPr>
+            <a:r>
+              <a:rPr lang="en-IN" dirty="0"/>
+              <a:t>    }</a:t>
+            </a:r>
           </a:p>
         </p:txBody>
       </p:sp>
@@ -14839,47 +14672,47 @@
           <a:lstStyle/>
           <a:p>
             <a:r>
-              <a:rPr lang="en-US" altLang="en-US" sz="2000"/>
-              <a:t>Used to stop the communication to the application may slow down or fail </a:t>
+              <a:rPr lang="en-US" altLang="en-US" sz="2000" dirty="0"/>
+              <a:t>Used to stop the communication to the application that may slow down or fail </a:t>
             </a:r>
           </a:p>
           <a:p>
             <a:pPr lvl="1"/>
             <a:r>
-              <a:rPr lang="en-US" altLang="en-US" sz="2000"/>
+              <a:rPr lang="en-US" altLang="en-US" sz="2000" dirty="0"/>
               <a:t>It interrupts the current flow after a fault is detected</a:t>
             </a:r>
           </a:p>
           <a:p>
             <a:pPr lvl="1"/>
             <a:r>
-              <a:rPr lang="en-US" altLang="en-US" sz="2000"/>
+              <a:rPr lang="en-US" altLang="en-US" sz="2000" dirty="0"/>
               <a:t>When it is is reset (manually or automatically), it can resume its normal operation.</a:t>
             </a:r>
           </a:p>
           <a:p>
-            <a:endParaRPr lang="en-US" altLang="en-US" sz="2000"/>
-          </a:p>
-          <a:p>
-            <a:r>
-              <a:rPr lang="en-US" altLang="en-US" sz="2000"/>
+            <a:endParaRPr lang="en-US" altLang="en-US" sz="2000" dirty="0"/>
+          </a:p>
+          <a:p>
+            <a:r>
+              <a:rPr lang="en-US" altLang="en-US" sz="2000" dirty="0"/>
               <a:t>Services will fail fast and have some fallback functionality.</a:t>
             </a:r>
           </a:p>
           <a:p>
-            <a:endParaRPr lang="en-US" altLang="en-US" sz="2000"/>
-          </a:p>
-          <a:p>
-            <a:r>
-              <a:rPr lang="en-US" altLang="en-US" sz="2000"/>
+            <a:endParaRPr lang="en-US" altLang="en-US" sz="2000" dirty="0"/>
+          </a:p>
+          <a:p>
+            <a:r>
+              <a:rPr lang="en-US" altLang="en-US" sz="2000" b="1" i="1" dirty="0"/>
               <a:t>It prevents the failure from cascading and giving the failing service time to recover.</a:t>
             </a:r>
           </a:p>
           <a:p>
-            <a:endParaRPr lang="en-US" altLang="en-US" sz="2000"/>
-          </a:p>
-          <a:p>
-            <a:endParaRPr lang="en-IN" altLang="en-US" sz="2000"/>
+            <a:endParaRPr lang="en-US" altLang="en-US" sz="2000" dirty="0"/>
+          </a:p>
+          <a:p>
+            <a:endParaRPr lang="en-IN" altLang="en-US" sz="2000" dirty="0"/>
           </a:p>
         </p:txBody>
       </p:sp>
@@ -16084,6 +15917,17 @@
               </a:rPr>
               <a:t>}</a:t>
             </a:r>
+          </a:p>
+          <a:p>
+            <a:pPr marL="457200" lvl="1" indent="0">
+              <a:buFontTx/>
+              <a:buNone/>
+            </a:pPr>
+            <a:endParaRPr lang="en-IN" altLang="en-US" sz="1800" dirty="0">
+              <a:solidFill>
+                <a:srgbClr val="000000"/>
+              </a:solidFill>
+            </a:endParaRPr>
           </a:p>
         </p:txBody>
       </p:sp>
@@ -21297,7 +21141,7 @@
         <p:spPr>
           <a:xfrm>
             <a:off x="457200" y="868364"/>
-            <a:ext cx="8229600" cy="5257800"/>
+            <a:ext cx="8229600" cy="5532436"/>
           </a:xfrm>
         </p:spPr>
         <p:txBody>
@@ -21351,14 +21195,6 @@
                 <a:spcPct val="150000"/>
               </a:lnSpc>
             </a:pPr>
-            <a:endParaRPr lang="en-IN" sz="2000" dirty="0"/>
-          </a:p>
-          <a:p>
-            <a:pPr>
-              <a:lnSpc>
-                <a:spcPct val="150000"/>
-              </a:lnSpc>
-            </a:pPr>
             <a:r>
               <a:rPr lang="en-IN" sz="2000" dirty="0"/>
               <a:t>Retry 3 times, and add a delay of 2 seconds before 2nd and 3rd retries.</a:t>
@@ -21399,6 +21235,197 @@
               <a:rPr lang="en-IN" sz="1800" dirty="0"/>
               <a:t>(2)));</a:t>
             </a:r>
+          </a:p>
+          <a:p>
+            <a:pPr marL="457200" lvl="1" indent="0">
+              <a:buNone/>
+            </a:pPr>
+            <a:endParaRPr lang="en-IN" b="1" dirty="0"/>
+          </a:p>
+          <a:p>
+            <a:pPr marL="457200" lvl="1" indent="0">
+              <a:buNone/>
+            </a:pPr>
+            <a:r>
+              <a:rPr lang="en-IN" b="1" dirty="0"/>
+              <a:t>return </a:t>
+            </a:r>
+            <a:r>
+              <a:rPr lang="en-IN" b="1" dirty="0" err="1"/>
+              <a:t>client.get</a:t>
+            </a:r>
+            <a:r>
+              <a:rPr lang="en-IN" b="1" dirty="0"/>
+              <a:t>()</a:t>
+            </a:r>
+          </a:p>
+          <a:p>
+            <a:pPr marL="457200" lvl="1" indent="0">
+              <a:buNone/>
+            </a:pPr>
+            <a:r>
+              <a:rPr lang="en-IN" b="1" dirty="0"/>
+              <a:t>.</a:t>
+            </a:r>
+            <a:r>
+              <a:rPr lang="en-IN" b="1" dirty="0" err="1"/>
+              <a:t>uri</a:t>
+            </a:r>
+            <a:r>
+              <a:rPr lang="en-IN" b="1" dirty="0"/>
+              <a:t>("http://localhost:9090/</a:t>
+            </a:r>
+            <a:r>
+              <a:rPr lang="en-IN" b="1" dirty="0" err="1"/>
+              <a:t>api</a:t>
+            </a:r>
+            <a:r>
+              <a:rPr lang="en-IN" b="1" dirty="0"/>
+              <a:t>/v1/info")</a:t>
+            </a:r>
+          </a:p>
+          <a:p>
+            <a:pPr marL="457200" lvl="1" indent="0">
+              <a:buNone/>
+            </a:pPr>
+            <a:r>
+              <a:rPr lang="en-IN" b="1" dirty="0"/>
+              <a:t>.retrieve()</a:t>
+            </a:r>
+          </a:p>
+          <a:p>
+            <a:pPr marL="457200" lvl="1" indent="0">
+              <a:buNone/>
+            </a:pPr>
+            <a:r>
+              <a:rPr lang="en-IN" b="1" dirty="0"/>
+              <a:t>.</a:t>
+            </a:r>
+            <a:r>
+              <a:rPr lang="en-IN" b="1" dirty="0" err="1"/>
+              <a:t>bodyToMono</a:t>
+            </a:r>
+            <a:r>
+              <a:rPr lang="en-IN" b="1" dirty="0"/>
+              <a:t>(</a:t>
+            </a:r>
+            <a:r>
+              <a:rPr lang="en-IN" b="1" dirty="0" err="1"/>
+              <a:t>String.class</a:t>
+            </a:r>
+            <a:r>
+              <a:rPr lang="en-IN" b="1" dirty="0"/>
+              <a:t>)</a:t>
+            </a:r>
+          </a:p>
+          <a:p>
+            <a:pPr marL="457200" lvl="1" indent="0">
+              <a:buNone/>
+            </a:pPr>
+            <a:r>
+              <a:rPr lang="en-IN" b="1" dirty="0"/>
+              <a:t>.</a:t>
+            </a:r>
+            <a:r>
+              <a:rPr lang="en-IN" b="1" dirty="0" err="1"/>
+              <a:t>retryWhen</a:t>
+            </a:r>
+            <a:r>
+              <a:rPr lang="en-IN" b="1" dirty="0"/>
+              <a:t>(</a:t>
+            </a:r>
+            <a:r>
+              <a:rPr lang="en-IN" b="1" dirty="0" err="1"/>
+              <a:t>Retry.</a:t>
+            </a:r>
+            <a:r>
+              <a:rPr lang="en-IN" b="1" i="1" dirty="0" err="1"/>
+              <a:t>max</a:t>
+            </a:r>
+            <a:r>
+              <a:rPr lang="en-IN" b="1" dirty="0"/>
+              <a:t>(6)</a:t>
+            </a:r>
+          </a:p>
+          <a:p>
+            <a:pPr marL="457200" lvl="1" indent="0">
+              <a:buNone/>
+            </a:pPr>
+            <a:r>
+              <a:rPr lang="en-IN" b="1" dirty="0"/>
+              <a:t>.</a:t>
+            </a:r>
+            <a:r>
+              <a:rPr lang="en-IN" b="1" dirty="0" err="1"/>
+              <a:t>doBeforeRetry</a:t>
+            </a:r>
+            <a:r>
+              <a:rPr lang="en-IN" b="1" dirty="0"/>
+              <a:t>(</a:t>
+            </a:r>
+            <a:r>
+              <a:rPr lang="en-IN" b="1" dirty="0" err="1"/>
+              <a:t>retrySignal</a:t>
+            </a:r>
+            <a:r>
+              <a:rPr lang="en-IN" b="1" dirty="0"/>
+              <a:t> -&gt; {</a:t>
+            </a:r>
+          </a:p>
+          <a:p>
+            <a:pPr marL="457200" lvl="1" indent="0">
+              <a:buNone/>
+            </a:pPr>
+            <a:r>
+              <a:rPr lang="en-IN" b="1" dirty="0" err="1"/>
+              <a:t>System.</a:t>
+            </a:r>
+            <a:r>
+              <a:rPr lang="en-IN" b="1" i="1" dirty="0" err="1"/>
+              <a:t>out</a:t>
+            </a:r>
+            <a:r>
+              <a:rPr lang="en-IN" b="1" dirty="0" err="1"/>
+              <a:t>.println</a:t>
+            </a:r>
+            <a:r>
+              <a:rPr lang="en-IN" b="1" dirty="0"/>
+              <a:t>("Retry attempt #" + (</a:t>
+            </a:r>
+            <a:r>
+              <a:rPr lang="en-IN" b="1" dirty="0" err="1"/>
+              <a:t>retrySignal.totalRetries</a:t>
+            </a:r>
+            <a:r>
+              <a:rPr lang="en-IN" b="1" dirty="0"/>
+              <a:t>() + 1));</a:t>
+            </a:r>
+          </a:p>
+          <a:p>
+            <a:pPr marL="457200" lvl="1" indent="0">
+              <a:buNone/>
+            </a:pPr>
+            <a:r>
+              <a:rPr lang="en-IN" b="1" dirty="0"/>
+              <a:t>})</a:t>
+            </a:r>
+          </a:p>
+          <a:p>
+            <a:pPr marL="457200" lvl="1" indent="0">
+              <a:buNone/>
+            </a:pPr>
+            <a:r>
+              <a:rPr lang="en-IN" b="1" dirty="0"/>
+              <a:t>);</a:t>
+            </a:r>
+          </a:p>
+          <a:p>
+            <a:pPr lvl="1">
+              <a:lnSpc>
+                <a:spcPct val="150000"/>
+              </a:lnSpc>
+            </a:pPr>
+            <a:endParaRPr lang="en-IN" sz="1800" dirty="0"/>
           </a:p>
           <a:p>
             <a:pPr marL="457200" lvl="1" indent="0">

--- a/16_MicroService_Module02.pptx
+++ b/16_MicroService_Module02.pptx
@@ -7004,204 +7004,371 @@
           <a:bodyPr/>
           <a:lstStyle/>
           <a:p>
-            <a:pPr marL="457200" lvl="1" indent="0">
-              <a:buNone/>
+            <a:pPr marL="0" indent="0">
+              <a:lnSpc>
+                <a:spcPct val="150000"/>
+              </a:lnSpc>
+              <a:buFontTx/>
+              <a:buNone/>
+              <a:defRPr/>
+            </a:pPr>
+            <a:r>
+              <a:rPr lang="en-IN" sz="1600" dirty="0">
+                <a:solidFill>
+                  <a:srgbClr val="646464"/>
+                </a:solidFill>
+                <a:latin typeface="Consolas" panose="020B0609020204030204" pitchFamily="49" charset="0"/>
+              </a:rPr>
+              <a:t>    </a:t>
+            </a:r>
+            <a:r>
+              <a:rPr lang="en-IN" sz="1800" dirty="0">
+                <a:solidFill>
+                  <a:srgbClr val="646464"/>
+                </a:solidFill>
+              </a:rPr>
+              <a:t>@Bean</a:t>
+            </a:r>
+          </a:p>
+          <a:p>
+            <a:pPr marL="0" indent="0">
+              <a:lnSpc>
+                <a:spcPct val="150000"/>
+              </a:lnSpc>
+              <a:buFontTx/>
+              <a:buNone/>
+              <a:defRPr/>
+            </a:pPr>
+            <a:r>
+              <a:rPr lang="en-IN" sz="1800" dirty="0">
+                <a:solidFill>
+                  <a:srgbClr val="000000"/>
+                </a:solidFill>
+              </a:rPr>
+              <a:t>    </a:t>
+            </a:r>
+            <a:r>
+              <a:rPr lang="en-IN" sz="1800" b="1" dirty="0">
+                <a:solidFill>
+                  <a:srgbClr val="7F0055"/>
+                </a:solidFill>
+              </a:rPr>
+              <a:t>public</a:t>
+            </a:r>
+            <a:r>
+              <a:rPr lang="en-IN" sz="1800" b="1" dirty="0">
+                <a:solidFill>
+                  <a:srgbClr val="000000"/>
+                </a:solidFill>
+              </a:rPr>
+              <a:t> </a:t>
+            </a:r>
+            <a:r>
+              <a:rPr lang="en-IN" sz="1800" b="1" dirty="0" err="1">
+                <a:solidFill>
+                  <a:srgbClr val="000000"/>
+                </a:solidFill>
+              </a:rPr>
+              <a:t>GlobalFilter</a:t>
+            </a:r>
+            <a:r>
+              <a:rPr lang="en-IN" sz="1800" b="1" dirty="0">
+                <a:solidFill>
+                  <a:srgbClr val="000000"/>
+                </a:solidFill>
+              </a:rPr>
+              <a:t> </a:t>
+            </a:r>
+            <a:r>
+              <a:rPr lang="en-IN" sz="1800" b="1" dirty="0" err="1">
+                <a:solidFill>
+                  <a:srgbClr val="000000"/>
+                </a:solidFill>
+              </a:rPr>
+              <a:t>postGlobalFilter</a:t>
+            </a:r>
+            <a:r>
+              <a:rPr lang="en-IN" sz="1800" b="1" dirty="0">
+                <a:solidFill>
+                  <a:srgbClr val="000000"/>
+                </a:solidFill>
+              </a:rPr>
+              <a:t>() {</a:t>
+            </a:r>
+          </a:p>
+          <a:p>
+            <a:pPr marL="0" indent="0">
+              <a:lnSpc>
+                <a:spcPct val="150000"/>
+              </a:lnSpc>
+              <a:buFontTx/>
+              <a:buNone/>
+              <a:defRPr/>
+            </a:pPr>
+            <a:r>
+              <a:rPr lang="en-IN" sz="1800" dirty="0">
+                <a:solidFill>
+                  <a:srgbClr val="000000"/>
+                </a:solidFill>
+              </a:rPr>
+              <a:t>        </a:t>
+            </a:r>
+            <a:r>
+              <a:rPr lang="en-IN" sz="1800" b="1" dirty="0">
+                <a:solidFill>
+                  <a:srgbClr val="7F0055"/>
+                </a:solidFill>
+              </a:rPr>
+              <a:t>return</a:t>
+            </a:r>
+            <a:r>
+              <a:rPr lang="en-IN" sz="1800" b="1" dirty="0">
+                <a:solidFill>
+                  <a:srgbClr val="000000"/>
+                </a:solidFill>
+              </a:rPr>
+              <a:t> (</a:t>
+            </a:r>
+            <a:r>
+              <a:rPr lang="en-IN" sz="1800" b="1" dirty="0">
+                <a:solidFill>
+                  <a:srgbClr val="6A3E3E"/>
+                </a:solidFill>
+              </a:rPr>
+              <a:t>exchange</a:t>
+            </a:r>
+            <a:r>
+              <a:rPr lang="en-IN" sz="1800" b="1" dirty="0">
+                <a:solidFill>
+                  <a:srgbClr val="000000"/>
+                </a:solidFill>
+              </a:rPr>
+              <a:t>, </a:t>
+            </a:r>
+            <a:r>
+              <a:rPr lang="en-IN" sz="1800" b="1" dirty="0">
+                <a:solidFill>
+                  <a:srgbClr val="6A3E3E"/>
+                </a:solidFill>
+              </a:rPr>
+              <a:t>chain</a:t>
+            </a:r>
+            <a:r>
+              <a:rPr lang="en-IN" sz="1800" b="1" dirty="0">
+                <a:solidFill>
+                  <a:srgbClr val="000000"/>
+                </a:solidFill>
+              </a:rPr>
+              <a:t>) -&gt; {</a:t>
+            </a:r>
+          </a:p>
+          <a:p>
+            <a:pPr marL="0" indent="0">
+              <a:lnSpc>
+                <a:spcPct val="150000"/>
+              </a:lnSpc>
+              <a:buFontTx/>
+              <a:buNone/>
+              <a:defRPr/>
+            </a:pPr>
+            <a:r>
+              <a:rPr lang="en-IN" sz="1800" dirty="0">
+                <a:solidFill>
+                  <a:srgbClr val="000000"/>
+                </a:solidFill>
+              </a:rPr>
+              <a:t>            </a:t>
+            </a:r>
+            <a:r>
+              <a:rPr lang="en-IN" sz="1800" b="1" dirty="0">
+                <a:solidFill>
+                  <a:srgbClr val="7F0055"/>
+                </a:solidFill>
+              </a:rPr>
+              <a:t>return</a:t>
+            </a:r>
+            <a:r>
+              <a:rPr lang="en-IN" sz="1800" b="1" dirty="0">
+                <a:solidFill>
+                  <a:srgbClr val="000000"/>
+                </a:solidFill>
+              </a:rPr>
+              <a:t> </a:t>
+            </a:r>
+            <a:r>
+              <a:rPr lang="en-IN" sz="1800" b="1" dirty="0" err="1">
+                <a:solidFill>
+                  <a:srgbClr val="6A3E3E"/>
+                </a:solidFill>
+              </a:rPr>
+              <a:t>chain</a:t>
+            </a:r>
+            <a:r>
+              <a:rPr lang="en-IN" sz="1800" b="1" dirty="0" err="1">
+                <a:solidFill>
+                  <a:srgbClr val="000000"/>
+                </a:solidFill>
+              </a:rPr>
+              <a:t>.filter</a:t>
+            </a:r>
+            <a:r>
+              <a:rPr lang="en-IN" sz="1800" b="1" dirty="0">
+                <a:solidFill>
+                  <a:srgbClr val="000000"/>
+                </a:solidFill>
+              </a:rPr>
+              <a:t>(</a:t>
+            </a:r>
+            <a:r>
+              <a:rPr lang="en-IN" sz="1800" b="1" dirty="0">
+                <a:solidFill>
+                  <a:srgbClr val="6A3E3E"/>
+                </a:solidFill>
+              </a:rPr>
+              <a:t>exchange</a:t>
+            </a:r>
+            <a:r>
+              <a:rPr lang="en-IN" sz="1800" b="1" dirty="0">
+                <a:solidFill>
+                  <a:srgbClr val="000000"/>
+                </a:solidFill>
+              </a:rPr>
+              <a:t>)</a:t>
+            </a:r>
+          </a:p>
+          <a:p>
+            <a:pPr marL="0" indent="0">
+              <a:lnSpc>
+                <a:spcPct val="150000"/>
+              </a:lnSpc>
+              <a:buFontTx/>
+              <a:buNone/>
+              <a:defRPr/>
+            </a:pPr>
+            <a:r>
+              <a:rPr lang="en-IN" sz="1800" dirty="0">
+                <a:solidFill>
+                  <a:srgbClr val="000000"/>
+                </a:solidFill>
+              </a:rPr>
+              <a:t>              .then(</a:t>
+            </a:r>
+            <a:r>
+              <a:rPr lang="en-IN" sz="1800" dirty="0" err="1">
+                <a:solidFill>
+                  <a:srgbClr val="000000"/>
+                </a:solidFill>
+              </a:rPr>
+              <a:t>Mono.</a:t>
+            </a:r>
+            <a:r>
+              <a:rPr lang="en-IN" sz="1800" i="1" dirty="0" err="1">
+                <a:solidFill>
+                  <a:srgbClr val="000000"/>
+                </a:solidFill>
+              </a:rPr>
+              <a:t>fromRunnable</a:t>
+            </a:r>
+            <a:r>
+              <a:rPr lang="en-IN" sz="1800" i="1" dirty="0">
+                <a:solidFill>
+                  <a:srgbClr val="000000"/>
+                </a:solidFill>
+              </a:rPr>
+              <a:t>(() -&gt; {</a:t>
+            </a:r>
+          </a:p>
+          <a:p>
+            <a:pPr marL="0" indent="0">
+              <a:lnSpc>
+                <a:spcPct val="150000"/>
+              </a:lnSpc>
+              <a:buFontTx/>
+              <a:buNone/>
+              <a:defRPr/>
+            </a:pPr>
+            <a:r>
+              <a:rPr lang="en-US" sz="1800" dirty="0">
+                <a:solidFill>
+                  <a:srgbClr val="000000"/>
+                </a:solidFill>
+              </a:rPr>
+              <a:t>                  </a:t>
+            </a:r>
+            <a:r>
+              <a:rPr lang="en-US" sz="1800" b="1" i="1" dirty="0">
+                <a:solidFill>
+                  <a:srgbClr val="0000C0"/>
+                </a:solidFill>
+              </a:rPr>
+              <a:t>log</a:t>
+            </a:r>
+            <a:r>
+              <a:rPr lang="en-US" sz="1800" b="1" i="1" dirty="0">
+                <a:solidFill>
+                  <a:srgbClr val="000000"/>
+                </a:solidFill>
+              </a:rPr>
+              <a:t>.info(</a:t>
+            </a:r>
+            <a:r>
+              <a:rPr lang="en-US" sz="1800" b="1" i="1" dirty="0">
+                <a:solidFill>
+                  <a:srgbClr val="2A00FF"/>
+                </a:solidFill>
+              </a:rPr>
+              <a:t>"Global Post Filter executed"</a:t>
+            </a:r>
+            <a:r>
+              <a:rPr lang="en-US" sz="1800" b="1" i="1" dirty="0">
+                <a:solidFill>
+                  <a:srgbClr val="000000"/>
+                </a:solidFill>
+              </a:rPr>
+              <a:t>);</a:t>
+            </a:r>
+          </a:p>
+          <a:p>
+            <a:pPr marL="0" indent="0">
+              <a:lnSpc>
+                <a:spcPct val="150000"/>
+              </a:lnSpc>
+              <a:buFontTx/>
+              <a:buNone/>
+              <a:defRPr/>
+            </a:pPr>
+            <a:r>
+              <a:rPr lang="en-IN" sz="1800" dirty="0">
+                <a:solidFill>
+                  <a:srgbClr val="000000"/>
+                </a:solidFill>
+              </a:rPr>
+              <a:t>              }));</a:t>
+            </a:r>
+          </a:p>
+          <a:p>
+            <a:pPr marL="0" indent="0">
+              <a:lnSpc>
+                <a:spcPct val="150000"/>
+              </a:lnSpc>
+              <a:buFontTx/>
+              <a:buNone/>
+              <a:defRPr/>
+            </a:pPr>
+            <a:r>
+              <a:rPr lang="en-IN" sz="1800" dirty="0">
+                <a:solidFill>
+                  <a:srgbClr val="000000"/>
+                </a:solidFill>
+              </a:rPr>
+              <a:t>        };</a:t>
+            </a:r>
+          </a:p>
+          <a:p>
+            <a:pPr>
+              <a:defRPr/>
             </a:pPr>
             <a:endParaRPr lang="en-IN" dirty="0"/>
-          </a:p>
-          <a:p>
-            <a:pPr marL="457200" lvl="1" indent="0">
-              <a:buNone/>
-            </a:pPr>
-            <a:r>
-              <a:rPr lang="en-IN" dirty="0"/>
-              <a:t>@Bean</a:t>
-            </a:r>
-          </a:p>
-          <a:p>
-            <a:pPr marL="457200" lvl="1" indent="0">
-              <a:buNone/>
-            </a:pPr>
-            <a:r>
-              <a:rPr lang="en-IN" dirty="0"/>
-              <a:t>public </a:t>
-            </a:r>
-            <a:r>
-              <a:rPr lang="en-IN" dirty="0" err="1"/>
-              <a:t>GlobalFilter</a:t>
-            </a:r>
-            <a:r>
-              <a:rPr lang="en-IN" dirty="0"/>
-              <a:t> </a:t>
-            </a:r>
-            <a:r>
-              <a:rPr lang="en-IN" dirty="0" err="1"/>
-              <a:t>postGlobalFilter</a:t>
-            </a:r>
-            <a:r>
-              <a:rPr lang="en-IN" dirty="0"/>
-              <a:t>() {</a:t>
-            </a:r>
-          </a:p>
-          <a:p>
-            <a:pPr marL="457200" lvl="1" indent="0">
-              <a:buNone/>
-            </a:pPr>
-            <a:r>
-              <a:rPr lang="en-IN" dirty="0"/>
-              <a:t>    return new </a:t>
-            </a:r>
-            <a:r>
-              <a:rPr lang="en-IN" dirty="0" err="1">
-                <a:solidFill>
-                  <a:srgbClr val="C00000"/>
-                </a:solidFill>
-              </a:rPr>
-              <a:t>GlobalFilter</a:t>
-            </a:r>
-            <a:r>
-              <a:rPr lang="en-IN" dirty="0"/>
-              <a:t>() {</a:t>
-            </a:r>
-          </a:p>
-          <a:p>
-            <a:pPr marL="457200" lvl="1" indent="0">
-              <a:buNone/>
-            </a:pPr>
-            <a:r>
-              <a:rPr lang="en-IN" dirty="0"/>
-              <a:t>        @Override</a:t>
-            </a:r>
-          </a:p>
-          <a:p>
-            <a:pPr marL="457200" lvl="1" indent="0">
-              <a:buNone/>
-            </a:pPr>
-            <a:r>
-              <a:rPr lang="en-IN" dirty="0"/>
-              <a:t>        public Mono&lt;Void&gt; filter(</a:t>
-            </a:r>
-            <a:r>
-              <a:rPr lang="en-IN" dirty="0" err="1"/>
-              <a:t>ServerWebExchange</a:t>
-            </a:r>
-            <a:r>
-              <a:rPr lang="en-IN" dirty="0"/>
-              <a:t> exchange, </a:t>
-            </a:r>
-            <a:r>
-              <a:rPr lang="en-IN" dirty="0" err="1"/>
-              <a:t>GatewayFilterChain</a:t>
-            </a:r>
-            <a:r>
-              <a:rPr lang="en-IN" dirty="0"/>
-              <a:t> chain) {</a:t>
-            </a:r>
-          </a:p>
-          <a:p>
-            <a:pPr marL="457200" lvl="1" indent="0">
-              <a:buNone/>
-            </a:pPr>
-            <a:r>
-              <a:rPr lang="en-IN" dirty="0"/>
-              <a:t>            return </a:t>
-            </a:r>
-            <a:r>
-              <a:rPr lang="en-IN" dirty="0" err="1"/>
-              <a:t>chain.filter</a:t>
-            </a:r>
-            <a:r>
-              <a:rPr lang="en-IN" dirty="0"/>
-              <a:t>(exchange)</a:t>
-            </a:r>
-          </a:p>
-          <a:p>
-            <a:pPr marL="457200" lvl="1" indent="0">
-              <a:buNone/>
-            </a:pPr>
-            <a:r>
-              <a:rPr lang="en-IN" dirty="0"/>
-              <a:t>                .then(</a:t>
-            </a:r>
-            <a:r>
-              <a:rPr lang="en-IN" dirty="0" err="1"/>
-              <a:t>Mono.fromRunnable</a:t>
-            </a:r>
-            <a:r>
-              <a:rPr lang="en-IN" dirty="0"/>
-              <a:t>(new Runnable() {</a:t>
-            </a:r>
-          </a:p>
-          <a:p>
-            <a:pPr marL="457200" lvl="1" indent="0">
-              <a:buNone/>
-            </a:pPr>
-            <a:r>
-              <a:rPr lang="en-IN" dirty="0"/>
-              <a:t>                    @Override</a:t>
-            </a:r>
-          </a:p>
-          <a:p>
-            <a:pPr marL="457200" lvl="1" indent="0">
-              <a:buNone/>
-            </a:pPr>
-            <a:r>
-              <a:rPr lang="en-IN" dirty="0"/>
-              <a:t>                    public void run() {</a:t>
-            </a:r>
-          </a:p>
-          <a:p>
-            <a:pPr marL="457200" lvl="1" indent="0">
-              <a:buNone/>
-            </a:pPr>
-            <a:r>
-              <a:rPr lang="en-IN" dirty="0"/>
-              <a:t>                        </a:t>
-            </a:r>
-            <a:r>
-              <a:rPr lang="en-IN" dirty="0" err="1"/>
-              <a:t>log.info</a:t>
-            </a:r>
-            <a:r>
-              <a:rPr lang="en-IN" dirty="0"/>
-              <a:t>("Global Post Filter executed");</a:t>
-            </a:r>
-          </a:p>
-          <a:p>
-            <a:pPr marL="457200" lvl="1" indent="0">
-              <a:buNone/>
-            </a:pPr>
-            <a:r>
-              <a:rPr lang="en-IN" dirty="0"/>
-              <a:t>                    }</a:t>
-            </a:r>
-          </a:p>
-          <a:p>
-            <a:pPr marL="457200" lvl="1" indent="0">
-              <a:buNone/>
-            </a:pPr>
-            <a:r>
-              <a:rPr lang="en-IN" dirty="0"/>
-              <a:t>                }));</a:t>
-            </a:r>
-          </a:p>
-          <a:p>
-            <a:pPr marL="457200" lvl="1" indent="0">
-              <a:buNone/>
-            </a:pPr>
-            <a:r>
-              <a:rPr lang="en-IN" dirty="0"/>
-              <a:t>        }</a:t>
-            </a:r>
-          </a:p>
-          <a:p>
-            <a:pPr marL="457200" lvl="1" indent="0">
-              <a:buNone/>
-            </a:pPr>
-            <a:r>
-              <a:rPr lang="en-IN" dirty="0"/>
-              <a:t>    }</a:t>
-            </a:r>
           </a:p>
         </p:txBody>
       </p:sp>
@@ -14672,47 +14839,47 @@
           <a:lstStyle/>
           <a:p>
             <a:r>
-              <a:rPr lang="en-US" altLang="en-US" sz="2000" dirty="0"/>
-              <a:t>Used to stop the communication to the application that may slow down or fail </a:t>
+              <a:rPr lang="en-US" altLang="en-US" sz="2000"/>
+              <a:t>Used to stop the communication to the application may slow down or fail </a:t>
             </a:r>
           </a:p>
           <a:p>
             <a:pPr lvl="1"/>
             <a:r>
-              <a:rPr lang="en-US" altLang="en-US" sz="2000" dirty="0"/>
+              <a:rPr lang="en-US" altLang="en-US" sz="2000"/>
               <a:t>It interrupts the current flow after a fault is detected</a:t>
             </a:r>
           </a:p>
           <a:p>
             <a:pPr lvl="1"/>
             <a:r>
-              <a:rPr lang="en-US" altLang="en-US" sz="2000" dirty="0"/>
+              <a:rPr lang="en-US" altLang="en-US" sz="2000"/>
               <a:t>When it is is reset (manually or automatically), it can resume its normal operation.</a:t>
             </a:r>
           </a:p>
           <a:p>
-            <a:endParaRPr lang="en-US" altLang="en-US" sz="2000" dirty="0"/>
-          </a:p>
-          <a:p>
-            <a:r>
-              <a:rPr lang="en-US" altLang="en-US" sz="2000" dirty="0"/>
+            <a:endParaRPr lang="en-US" altLang="en-US" sz="2000"/>
+          </a:p>
+          <a:p>
+            <a:r>
+              <a:rPr lang="en-US" altLang="en-US" sz="2000"/>
               <a:t>Services will fail fast and have some fallback functionality.</a:t>
             </a:r>
           </a:p>
           <a:p>
-            <a:endParaRPr lang="en-US" altLang="en-US" sz="2000" dirty="0"/>
-          </a:p>
-          <a:p>
-            <a:r>
-              <a:rPr lang="en-US" altLang="en-US" sz="2000" b="1" i="1" dirty="0"/>
+            <a:endParaRPr lang="en-US" altLang="en-US" sz="2000"/>
+          </a:p>
+          <a:p>
+            <a:r>
+              <a:rPr lang="en-US" altLang="en-US" sz="2000"/>
               <a:t>It prevents the failure from cascading and giving the failing service time to recover.</a:t>
             </a:r>
           </a:p>
           <a:p>
-            <a:endParaRPr lang="en-US" altLang="en-US" sz="2000" dirty="0"/>
-          </a:p>
-          <a:p>
-            <a:endParaRPr lang="en-IN" altLang="en-US" sz="2000" dirty="0"/>
+            <a:endParaRPr lang="en-US" altLang="en-US" sz="2000"/>
+          </a:p>
+          <a:p>
+            <a:endParaRPr lang="en-IN" altLang="en-US" sz="2000"/>
           </a:p>
         </p:txBody>
       </p:sp>
@@ -15917,17 +16084,6 @@
               </a:rPr>
               <a:t>}</a:t>
             </a:r>
-          </a:p>
-          <a:p>
-            <a:pPr marL="457200" lvl="1" indent="0">
-              <a:buFontTx/>
-              <a:buNone/>
-            </a:pPr>
-            <a:endParaRPr lang="en-IN" altLang="en-US" sz="1800" dirty="0">
-              <a:solidFill>
-                <a:srgbClr val="000000"/>
-              </a:solidFill>
-            </a:endParaRPr>
           </a:p>
         </p:txBody>
       </p:sp>
@@ -21141,7 +21297,7 @@
         <p:spPr>
           <a:xfrm>
             <a:off x="457200" y="868364"/>
-            <a:ext cx="8229600" cy="5532436"/>
+            <a:ext cx="8229600" cy="5257800"/>
           </a:xfrm>
         </p:spPr>
         <p:txBody>
@@ -21195,6 +21351,14 @@
                 <a:spcPct val="150000"/>
               </a:lnSpc>
             </a:pPr>
+            <a:endParaRPr lang="en-IN" sz="2000" dirty="0"/>
+          </a:p>
+          <a:p>
+            <a:pPr>
+              <a:lnSpc>
+                <a:spcPct val="150000"/>
+              </a:lnSpc>
+            </a:pPr>
             <a:r>
               <a:rPr lang="en-IN" sz="2000" dirty="0"/>
               <a:t>Retry 3 times, and add a delay of 2 seconds before 2nd and 3rd retries.</a:t>
@@ -21235,197 +21399,6 @@
               <a:rPr lang="en-IN" sz="1800" dirty="0"/>
               <a:t>(2)));</a:t>
             </a:r>
-          </a:p>
-          <a:p>
-            <a:pPr marL="457200" lvl="1" indent="0">
-              <a:buNone/>
-            </a:pPr>
-            <a:endParaRPr lang="en-IN" b="1" dirty="0"/>
-          </a:p>
-          <a:p>
-            <a:pPr marL="457200" lvl="1" indent="0">
-              <a:buNone/>
-            </a:pPr>
-            <a:r>
-              <a:rPr lang="en-IN" b="1" dirty="0"/>
-              <a:t>return </a:t>
-            </a:r>
-            <a:r>
-              <a:rPr lang="en-IN" b="1" dirty="0" err="1"/>
-              <a:t>client.get</a:t>
-            </a:r>
-            <a:r>
-              <a:rPr lang="en-IN" b="1" dirty="0"/>
-              <a:t>()</a:t>
-            </a:r>
-          </a:p>
-          <a:p>
-            <a:pPr marL="457200" lvl="1" indent="0">
-              <a:buNone/>
-            </a:pPr>
-            <a:r>
-              <a:rPr lang="en-IN" b="1" dirty="0"/>
-              <a:t>.</a:t>
-            </a:r>
-            <a:r>
-              <a:rPr lang="en-IN" b="1" dirty="0" err="1"/>
-              <a:t>uri</a:t>
-            </a:r>
-            <a:r>
-              <a:rPr lang="en-IN" b="1" dirty="0"/>
-              <a:t>("http://localhost:9090/</a:t>
-            </a:r>
-            <a:r>
-              <a:rPr lang="en-IN" b="1" dirty="0" err="1"/>
-              <a:t>api</a:t>
-            </a:r>
-            <a:r>
-              <a:rPr lang="en-IN" b="1" dirty="0"/>
-              <a:t>/v1/info")</a:t>
-            </a:r>
-          </a:p>
-          <a:p>
-            <a:pPr marL="457200" lvl="1" indent="0">
-              <a:buNone/>
-            </a:pPr>
-            <a:r>
-              <a:rPr lang="en-IN" b="1" dirty="0"/>
-              <a:t>.retrieve()</a:t>
-            </a:r>
-          </a:p>
-          <a:p>
-            <a:pPr marL="457200" lvl="1" indent="0">
-              <a:buNone/>
-            </a:pPr>
-            <a:r>
-              <a:rPr lang="en-IN" b="1" dirty="0"/>
-              <a:t>.</a:t>
-            </a:r>
-            <a:r>
-              <a:rPr lang="en-IN" b="1" dirty="0" err="1"/>
-              <a:t>bodyToMono</a:t>
-            </a:r>
-            <a:r>
-              <a:rPr lang="en-IN" b="1" dirty="0"/>
-              <a:t>(</a:t>
-            </a:r>
-            <a:r>
-              <a:rPr lang="en-IN" b="1" dirty="0" err="1"/>
-              <a:t>String.class</a:t>
-            </a:r>
-            <a:r>
-              <a:rPr lang="en-IN" b="1" dirty="0"/>
-              <a:t>)</a:t>
-            </a:r>
-          </a:p>
-          <a:p>
-            <a:pPr marL="457200" lvl="1" indent="0">
-              <a:buNone/>
-            </a:pPr>
-            <a:r>
-              <a:rPr lang="en-IN" b="1" dirty="0"/>
-              <a:t>.</a:t>
-            </a:r>
-            <a:r>
-              <a:rPr lang="en-IN" b="1" dirty="0" err="1"/>
-              <a:t>retryWhen</a:t>
-            </a:r>
-            <a:r>
-              <a:rPr lang="en-IN" b="1" dirty="0"/>
-              <a:t>(</a:t>
-            </a:r>
-            <a:r>
-              <a:rPr lang="en-IN" b="1" dirty="0" err="1"/>
-              <a:t>Retry.</a:t>
-            </a:r>
-            <a:r>
-              <a:rPr lang="en-IN" b="1" i="1" dirty="0" err="1"/>
-              <a:t>max</a:t>
-            </a:r>
-            <a:r>
-              <a:rPr lang="en-IN" b="1" dirty="0"/>
-              <a:t>(6)</a:t>
-            </a:r>
-          </a:p>
-          <a:p>
-            <a:pPr marL="457200" lvl="1" indent="0">
-              <a:buNone/>
-            </a:pPr>
-            <a:r>
-              <a:rPr lang="en-IN" b="1" dirty="0"/>
-              <a:t>.</a:t>
-            </a:r>
-            <a:r>
-              <a:rPr lang="en-IN" b="1" dirty="0" err="1"/>
-              <a:t>doBeforeRetry</a:t>
-            </a:r>
-            <a:r>
-              <a:rPr lang="en-IN" b="1" dirty="0"/>
-              <a:t>(</a:t>
-            </a:r>
-            <a:r>
-              <a:rPr lang="en-IN" b="1" dirty="0" err="1"/>
-              <a:t>retrySignal</a:t>
-            </a:r>
-            <a:r>
-              <a:rPr lang="en-IN" b="1" dirty="0"/>
-              <a:t> -&gt; {</a:t>
-            </a:r>
-          </a:p>
-          <a:p>
-            <a:pPr marL="457200" lvl="1" indent="0">
-              <a:buNone/>
-            </a:pPr>
-            <a:r>
-              <a:rPr lang="en-IN" b="1" dirty="0" err="1"/>
-              <a:t>System.</a:t>
-            </a:r>
-            <a:r>
-              <a:rPr lang="en-IN" b="1" i="1" dirty="0" err="1"/>
-              <a:t>out</a:t>
-            </a:r>
-            <a:r>
-              <a:rPr lang="en-IN" b="1" dirty="0" err="1"/>
-              <a:t>.println</a:t>
-            </a:r>
-            <a:r>
-              <a:rPr lang="en-IN" b="1" dirty="0"/>
-              <a:t>("Retry attempt #" + (</a:t>
-            </a:r>
-            <a:r>
-              <a:rPr lang="en-IN" b="1" dirty="0" err="1"/>
-              <a:t>retrySignal.totalRetries</a:t>
-            </a:r>
-            <a:r>
-              <a:rPr lang="en-IN" b="1" dirty="0"/>
-              <a:t>() + 1));</a:t>
-            </a:r>
-          </a:p>
-          <a:p>
-            <a:pPr marL="457200" lvl="1" indent="0">
-              <a:buNone/>
-            </a:pPr>
-            <a:r>
-              <a:rPr lang="en-IN" b="1" dirty="0"/>
-              <a:t>})</a:t>
-            </a:r>
-          </a:p>
-          <a:p>
-            <a:pPr marL="457200" lvl="1" indent="0">
-              <a:buNone/>
-            </a:pPr>
-            <a:r>
-              <a:rPr lang="en-IN" b="1" dirty="0"/>
-              <a:t>);</a:t>
-            </a:r>
-          </a:p>
-          <a:p>
-            <a:pPr lvl="1">
-              <a:lnSpc>
-                <a:spcPct val="150000"/>
-              </a:lnSpc>
-            </a:pPr>
-            <a:endParaRPr lang="en-IN" sz="1800" dirty="0"/>
           </a:p>
           <a:p>
             <a:pPr marL="457200" lvl="1" indent="0">
